--- a/presentacion.pptx
+++ b/presentacion.pptx
@@ -12,6 +12,7 @@
     <p:sldId id="260" r:id="rId6"/>
     <p:sldId id="261" r:id="rId7"/>
     <p:sldId id="262" r:id="rId8"/>
+    <p:sldId id="263" r:id="rId9"/>
   </p:sldIdLst>
   <p:sldSz cx="12192000" cy="6858000"/>
   <p:notesSz cx="6858000" cy="9144000"/>
@@ -110,6 +111,11 @@
       </a:defRPr>
     </a:lvl9pPr>
   </p:defaultTextStyle>
+  <p:extLst>
+    <p:ext uri="{EFAFB233-063F-42B5-8137-9DF3F51BA10A}">
+      <p15:sldGuideLst xmlns:p15="http://schemas.microsoft.com/office/powerpoint/2012/main"/>
+    </p:ext>
+  </p:extLst>
 </p:presentation>
 </file>
 
@@ -5421,36 +5427,6 @@
       </p:pic>
       <p:pic>
         <p:nvPicPr>
-          <p:cNvPr id="14" name="Imagen 13">
-            <a:extLst>
-              <a:ext uri="{FF2B5EF4-FFF2-40B4-BE49-F238E27FC236}">
-                <a16:creationId xmlns:a16="http://schemas.microsoft.com/office/drawing/2014/main" id="{B3A26175-741B-4F8A-938B-0CF23C964B9C}"/>
-              </a:ext>
-            </a:extLst>
-          </p:cNvPr>
-          <p:cNvPicPr>
-            <a:picLocks noChangeAspect="1"/>
-          </p:cNvPicPr>
-          <p:nvPr/>
-        </p:nvPicPr>
-        <p:blipFill>
-          <a:blip r:embed="rId6"/>
-          <a:stretch>
-            <a:fillRect/>
-          </a:stretch>
-        </p:blipFill>
-        <p:spPr>
-          <a:xfrm>
-            <a:off x="7770234" y="2895499"/>
-            <a:ext cx="1180981" cy="2513901"/>
-          </a:xfrm>
-          <a:prstGeom prst="rect">
-            <a:avLst/>
-          </a:prstGeom>
-        </p:spPr>
-      </p:pic>
-      <p:pic>
-        <p:nvPicPr>
           <p:cNvPr id="16" name="Imagen 15">
             <a:extLst>
               <a:ext uri="{FF2B5EF4-FFF2-40B4-BE49-F238E27FC236}">
@@ -5464,7 +5440,7 @@
           <p:nvPr/>
         </p:nvPicPr>
         <p:blipFill>
-          <a:blip r:embed="rId7"/>
+          <a:blip r:embed="rId6"/>
           <a:stretch>
             <a:fillRect/>
           </a:stretch>
@@ -5689,6 +5665,36 @@
           </a:p>
         </p:txBody>
       </p:sp>
+      <p:pic>
+        <p:nvPicPr>
+          <p:cNvPr id="3" name="Imagen 2">
+            <a:extLst>
+              <a:ext uri="{FF2B5EF4-FFF2-40B4-BE49-F238E27FC236}">
+                <a16:creationId xmlns:a16="http://schemas.microsoft.com/office/drawing/2014/main" id="{40065A07-8718-4249-8FE0-725A990F282D}"/>
+              </a:ext>
+            </a:extLst>
+          </p:cNvPr>
+          <p:cNvPicPr>
+            <a:picLocks noChangeAspect="1"/>
+          </p:cNvPicPr>
+          <p:nvPr/>
+        </p:nvPicPr>
+        <p:blipFill>
+          <a:blip r:embed="rId7"/>
+          <a:stretch>
+            <a:fillRect/>
+          </a:stretch>
+        </p:blipFill>
+        <p:spPr>
+          <a:xfrm>
+            <a:off x="7777182" y="2879396"/>
+            <a:ext cx="1164979" cy="2525886"/>
+          </a:xfrm>
+          <a:prstGeom prst="rect">
+            <a:avLst/>
+          </a:prstGeom>
+        </p:spPr>
+      </p:pic>
     </p:spTree>
     <p:extLst>
       <p:ext uri="{BB962C8B-B14F-4D97-AF65-F5344CB8AC3E}">
@@ -5836,7 +5842,7 @@
           <a:p>
             <a:r>
               <a:rPr lang="es-ES" dirty="0"/>
-              <a:t>editados o eliminados.</a:t>
+              <a:t>editados o eliminados. El administrador puede desactivar una cuenta.</a:t>
             </a:r>
           </a:p>
         </p:txBody>
@@ -5963,36 +5969,6 @@
       </p:pic>
       <p:pic>
         <p:nvPicPr>
-          <p:cNvPr id="18" name="Imagen 17">
-            <a:extLst>
-              <a:ext uri="{FF2B5EF4-FFF2-40B4-BE49-F238E27FC236}">
-                <a16:creationId xmlns:a16="http://schemas.microsoft.com/office/drawing/2014/main" id="{9364E5F3-EFF6-47F3-A5EA-BFD91B433270}"/>
-              </a:ext>
-            </a:extLst>
-          </p:cNvPr>
-          <p:cNvPicPr>
-            <a:picLocks noChangeAspect="1"/>
-          </p:cNvPicPr>
-          <p:nvPr/>
-        </p:nvPicPr>
-        <p:blipFill>
-          <a:blip r:embed="rId6"/>
-          <a:stretch>
-            <a:fillRect/>
-          </a:stretch>
-        </p:blipFill>
-        <p:spPr>
-          <a:xfrm>
-            <a:off x="6909220" y="3738454"/>
-            <a:ext cx="1125934" cy="2414165"/>
-          </a:xfrm>
-          <a:prstGeom prst="rect">
-            <a:avLst/>
-          </a:prstGeom>
-        </p:spPr>
-      </p:pic>
-      <p:pic>
-        <p:nvPicPr>
           <p:cNvPr id="20" name="Imagen 19">
             <a:extLst>
               <a:ext uri="{FF2B5EF4-FFF2-40B4-BE49-F238E27FC236}">
@@ -6006,7 +5982,7 @@
           <p:nvPr/>
         </p:nvPicPr>
         <p:blipFill>
-          <a:blip r:embed="rId7"/>
+          <a:blip r:embed="rId6"/>
           <a:stretch>
             <a:fillRect/>
           </a:stretch>
@@ -6261,7 +6237,7 @@
           <p:nvPr/>
         </p:nvPicPr>
         <p:blipFill>
-          <a:blip r:embed="rId8"/>
+          <a:blip r:embed="rId7"/>
           <a:stretch>
             <a:fillRect/>
           </a:stretch>
@@ -6316,6 +6292,36 @@
           </a:p>
         </p:txBody>
       </p:sp>
+      <p:pic>
+        <p:nvPicPr>
+          <p:cNvPr id="3" name="Imagen 2">
+            <a:extLst>
+              <a:ext uri="{FF2B5EF4-FFF2-40B4-BE49-F238E27FC236}">
+                <a16:creationId xmlns:a16="http://schemas.microsoft.com/office/drawing/2014/main" id="{3545FD6E-5B68-4732-A76D-CCB46DA0DF2D}"/>
+              </a:ext>
+            </a:extLst>
+          </p:cNvPr>
+          <p:cNvPicPr>
+            <a:picLocks noChangeAspect="1"/>
+          </p:cNvPicPr>
+          <p:nvPr/>
+        </p:nvPicPr>
+        <p:blipFill>
+          <a:blip r:embed="rId8"/>
+          <a:stretch>
+            <a:fillRect/>
+          </a:stretch>
+        </p:blipFill>
+        <p:spPr>
+          <a:xfrm>
+            <a:off x="6941935" y="3747364"/>
+            <a:ext cx="1108442" cy="2398266"/>
+          </a:xfrm>
+          <a:prstGeom prst="rect">
+            <a:avLst/>
+          </a:prstGeom>
+        </p:spPr>
+      </p:pic>
     </p:spTree>
     <p:extLst>
       <p:ext uri="{BB962C8B-B14F-4D97-AF65-F5344CB8AC3E}">
@@ -6452,6 +6458,49 @@
           </a:p>
         </p:txBody>
       </p:sp>
+      <p:sp>
+        <p:nvSpPr>
+          <p:cNvPr id="2" name="CuadroTexto 1">
+            <a:extLst>
+              <a:ext uri="{FF2B5EF4-FFF2-40B4-BE49-F238E27FC236}">
+                <a16:creationId xmlns:a16="http://schemas.microsoft.com/office/drawing/2014/main" id="{327FBE5B-B2B5-4EB9-B332-CE2E8D818D04}"/>
+              </a:ext>
+            </a:extLst>
+          </p:cNvPr>
+          <p:cNvSpPr txBox="1"/>
+          <p:nvPr/>
+        </p:nvSpPr>
+        <p:spPr>
+          <a:xfrm>
+            <a:off x="1744980" y="2697480"/>
+            <a:ext cx="8041689" cy="369332"/>
+          </a:xfrm>
+          <a:prstGeom prst="rect">
+            <a:avLst/>
+          </a:prstGeom>
+          <a:noFill/>
+        </p:spPr>
+        <p:txBody>
+          <a:bodyPr wrap="none" rtlCol="0">
+            <a:spAutoFit/>
+          </a:bodyPr>
+          <a:lstStyle/>
+          <a:p>
+            <a:r>
+              <a:rPr lang="es-ES" dirty="0"/>
+              <a:t>Un usuario </a:t>
+            </a:r>
+            <a:r>
+              <a:rPr lang="es-ES" dirty="0" err="1"/>
+              <a:t>logueado</a:t>
+            </a:r>
+            <a:r>
+              <a:rPr lang="es-ES" dirty="0"/>
+              <a:t> solo podrá cambiar a VIP por acción del administrador. </a:t>
+            </a:r>
+          </a:p>
+        </p:txBody>
+      </p:sp>
     </p:spTree>
     <p:extLst>
       <p:ext uri="{BB962C8B-B14F-4D97-AF65-F5344CB8AC3E}">
@@ -7006,10 +7055,264 @@
           </a:p>
         </p:txBody>
       </p:sp>
+      <p:sp>
+        <p:nvSpPr>
+          <p:cNvPr id="3" name="CuadroTexto 2">
+            <a:extLst>
+              <a:ext uri="{FF2B5EF4-FFF2-40B4-BE49-F238E27FC236}">
+                <a16:creationId xmlns:a16="http://schemas.microsoft.com/office/drawing/2014/main" id="{C86A05AE-89F6-4B69-A380-97276AF8A96D}"/>
+              </a:ext>
+            </a:extLst>
+          </p:cNvPr>
+          <p:cNvSpPr txBox="1"/>
+          <p:nvPr/>
+        </p:nvSpPr>
+        <p:spPr>
+          <a:xfrm>
+            <a:off x="6744668" y="2775130"/>
+            <a:ext cx="2916183" cy="369332"/>
+          </a:xfrm>
+          <a:prstGeom prst="rect">
+            <a:avLst/>
+          </a:prstGeom>
+          <a:noFill/>
+        </p:spPr>
+        <p:txBody>
+          <a:bodyPr wrap="none" rtlCol="0">
+            <a:spAutoFit/>
+          </a:bodyPr>
+          <a:lstStyle/>
+          <a:p>
+            <a:r>
+              <a:rPr lang="es-ES" dirty="0"/>
+              <a:t>- Eliminar líneas de pedido</a:t>
+            </a:r>
+          </a:p>
+        </p:txBody>
+      </p:sp>
     </p:spTree>
     <p:extLst>
       <p:ext uri="{BB962C8B-B14F-4D97-AF65-F5344CB8AC3E}">
         <p14:creationId xmlns:p14="http://schemas.microsoft.com/office/powerpoint/2010/main" val="1458117830"/>
+      </p:ext>
+    </p:extLst>
+  </p:cSld>
+  <p:clrMapOvr>
+    <a:masterClrMapping/>
+  </p:clrMapOvr>
+</p:sld>
+</file>
+
+<file path=ppt/slides/slide8.xml><?xml version="1.0" encoding="utf-8"?>
+<p:sld xmlns:a="http://schemas.openxmlformats.org/drawingml/2006/main" xmlns:r="http://schemas.openxmlformats.org/officeDocument/2006/relationships" xmlns:p="http://schemas.openxmlformats.org/presentationml/2006/main">
+  <p:cSld>
+    <p:spTree>
+      <p:nvGrpSpPr>
+        <p:cNvPr id="1" name=""/>
+        <p:cNvGrpSpPr/>
+        <p:nvPr/>
+      </p:nvGrpSpPr>
+      <p:grpSpPr>
+        <a:xfrm>
+          <a:off x="0" y="0"/>
+          <a:ext cx="0" cy="0"/>
+          <a:chOff x="0" y="0"/>
+          <a:chExt cx="0" cy="0"/>
+        </a:xfrm>
+      </p:grpSpPr>
+      <p:sp>
+        <p:nvSpPr>
+          <p:cNvPr id="2" name="Título 1">
+            <a:extLst>
+              <a:ext uri="{FF2B5EF4-FFF2-40B4-BE49-F238E27FC236}">
+                <a16:creationId xmlns:a16="http://schemas.microsoft.com/office/drawing/2014/main" id="{FB174E6C-F70F-4D9D-BD06-D0605E0B36C9}"/>
+              </a:ext>
+            </a:extLst>
+          </p:cNvPr>
+          <p:cNvSpPr>
+            <a:spLocks noGrp="1"/>
+          </p:cNvSpPr>
+          <p:nvPr>
+            <p:ph type="title"/>
+          </p:nvPr>
+        </p:nvSpPr>
+        <p:spPr/>
+        <p:txBody>
+          <a:bodyPr/>
+          <a:lstStyle/>
+          <a:p>
+            <a:pPr algn="l"/>
+            <a:r>
+              <a:rPr lang="es-ES" dirty="0"/>
+              <a:t>Funcionalidades en un futuro</a:t>
+            </a:r>
+          </a:p>
+        </p:txBody>
+      </p:sp>
+      <p:sp>
+        <p:nvSpPr>
+          <p:cNvPr id="4" name="CuadroTexto 3">
+            <a:extLst>
+              <a:ext uri="{FF2B5EF4-FFF2-40B4-BE49-F238E27FC236}">
+                <a16:creationId xmlns:a16="http://schemas.microsoft.com/office/drawing/2014/main" id="{97665A56-E092-481E-94B3-F8C062A791B1}"/>
+              </a:ext>
+            </a:extLst>
+          </p:cNvPr>
+          <p:cNvSpPr txBox="1"/>
+          <p:nvPr/>
+        </p:nvSpPr>
+        <p:spPr>
+          <a:xfrm>
+            <a:off x="1676400" y="1885285"/>
+            <a:ext cx="7173759" cy="369332"/>
+          </a:xfrm>
+          <a:prstGeom prst="rect">
+            <a:avLst/>
+          </a:prstGeom>
+          <a:noFill/>
+        </p:spPr>
+        <p:txBody>
+          <a:bodyPr wrap="none" rtlCol="0">
+            <a:spAutoFit/>
+          </a:bodyPr>
+          <a:lstStyle/>
+          <a:p>
+            <a:r>
+              <a:rPr lang="es-ES" dirty="0"/>
+              <a:t>Se podría añadir una función donde salgan los puzles más vendidos</a:t>
+            </a:r>
+          </a:p>
+        </p:txBody>
+      </p:sp>
+      <p:sp>
+        <p:nvSpPr>
+          <p:cNvPr id="5" name="CuadroTexto 4">
+            <a:extLst>
+              <a:ext uri="{FF2B5EF4-FFF2-40B4-BE49-F238E27FC236}">
+                <a16:creationId xmlns:a16="http://schemas.microsoft.com/office/drawing/2014/main" id="{7AFD920C-86C3-4CA4-8964-1FCF46FBCC0B}"/>
+              </a:ext>
+            </a:extLst>
+          </p:cNvPr>
+          <p:cNvSpPr txBox="1"/>
+          <p:nvPr/>
+        </p:nvSpPr>
+        <p:spPr>
+          <a:xfrm>
+            <a:off x="1676400" y="2254617"/>
+            <a:ext cx="7712368" cy="646331"/>
+          </a:xfrm>
+          <a:prstGeom prst="rect">
+            <a:avLst/>
+          </a:prstGeom>
+          <a:noFill/>
+        </p:spPr>
+        <p:txBody>
+          <a:bodyPr wrap="none" rtlCol="0">
+            <a:spAutoFit/>
+          </a:bodyPr>
+          <a:lstStyle/>
+          <a:p>
+            <a:r>
+              <a:rPr lang="es-ES" dirty="0"/>
+              <a:t>Se podría añadir una sección donde los usuarios compartan fotos de sus </a:t>
+            </a:r>
+          </a:p>
+          <a:p>
+            <a:r>
+              <a:rPr lang="es-ES" dirty="0"/>
+              <a:t>puzles terminados</a:t>
+            </a:r>
+          </a:p>
+        </p:txBody>
+      </p:sp>
+      <p:sp>
+        <p:nvSpPr>
+          <p:cNvPr id="6" name="CuadroTexto 5">
+            <a:extLst>
+              <a:ext uri="{FF2B5EF4-FFF2-40B4-BE49-F238E27FC236}">
+                <a16:creationId xmlns:a16="http://schemas.microsoft.com/office/drawing/2014/main" id="{7B8DFC26-F071-4B71-85A6-08F753C4D80D}"/>
+              </a:ext>
+            </a:extLst>
+          </p:cNvPr>
+          <p:cNvSpPr txBox="1"/>
+          <p:nvPr/>
+        </p:nvSpPr>
+        <p:spPr>
+          <a:xfrm>
+            <a:off x="1676400" y="2900948"/>
+            <a:ext cx="7481535" cy="369332"/>
+          </a:xfrm>
+          <a:prstGeom prst="rect">
+            <a:avLst/>
+          </a:prstGeom>
+          <a:noFill/>
+        </p:spPr>
+        <p:txBody>
+          <a:bodyPr wrap="none" rtlCol="0">
+            <a:spAutoFit/>
+          </a:bodyPr>
+          <a:lstStyle/>
+          <a:p>
+            <a:r>
+              <a:rPr lang="es-ES" dirty="0"/>
+              <a:t>Diferentes formas de pago como pueden ser </a:t>
+            </a:r>
+            <a:r>
+              <a:rPr lang="es-ES" dirty="0" err="1"/>
+              <a:t>paypal</a:t>
+            </a:r>
+            <a:r>
+              <a:rPr lang="es-ES" dirty="0"/>
+              <a:t> o por transferencia</a:t>
+            </a:r>
+          </a:p>
+        </p:txBody>
+      </p:sp>
+      <p:sp>
+        <p:nvSpPr>
+          <p:cNvPr id="7" name="CuadroTexto 6">
+            <a:extLst>
+              <a:ext uri="{FF2B5EF4-FFF2-40B4-BE49-F238E27FC236}">
+                <a16:creationId xmlns:a16="http://schemas.microsoft.com/office/drawing/2014/main" id="{43526A71-638D-41C2-A237-F1DFFE818626}"/>
+              </a:ext>
+            </a:extLst>
+          </p:cNvPr>
+          <p:cNvSpPr txBox="1"/>
+          <p:nvPr/>
+        </p:nvSpPr>
+        <p:spPr>
+          <a:xfrm>
+            <a:off x="1676400" y="3270280"/>
+            <a:ext cx="7378943" cy="646331"/>
+          </a:xfrm>
+          <a:prstGeom prst="rect">
+            <a:avLst/>
+          </a:prstGeom>
+          <a:noFill/>
+        </p:spPr>
+        <p:txBody>
+          <a:bodyPr wrap="none" rtlCol="0">
+            <a:spAutoFit/>
+          </a:bodyPr>
+          <a:lstStyle/>
+          <a:p>
+            <a:r>
+              <a:rPr lang="es-ES" dirty="0"/>
+              <a:t>Recomendaciones de puzles a los usuarios tomando como referencia </a:t>
+            </a:r>
+          </a:p>
+          <a:p>
+            <a:r>
+              <a:rPr lang="es-ES" dirty="0"/>
+              <a:t>los puzles visitados o comprados</a:t>
+            </a:r>
+          </a:p>
+        </p:txBody>
+      </p:sp>
+    </p:spTree>
+    <p:extLst>
+      <p:ext uri="{BB962C8B-B14F-4D97-AF65-F5344CB8AC3E}">
+        <p14:creationId xmlns:p14="http://schemas.microsoft.com/office/powerpoint/2010/main" val="4193893059"/>
       </p:ext>
     </p:extLst>
   </p:cSld>
